--- a/NeedGPT.pptx
+++ b/NeedGPT.pptx
@@ -114,6 +114,11 @@
       </a:defRPr>
     </a:lvl9pPr>
   </p:defaultTextStyle>
+  <p:extLst>
+    <p:ext uri="{EFAFB233-063F-42B5-8137-9DF3F51BA10A}">
+      <p15:sldGuideLst xmlns:p15="http://schemas.microsoft.com/office/powerpoint/2012/main"/>
+    </p:ext>
+  </p:extLst>
 </p:presentation>
 </file>
 
@@ -13318,6 +13323,13 @@
               <a:t>Redesigning conestoga student portal</a:t>
             </a:r>
           </a:p>
+          <a:p>
+            <a:r>
+              <a:rPr lang="en-CA"/>
+              <a:t>By – Rikhi Singh, Krishan Singh </a:t>
+            </a:r>
+            <a:endParaRPr lang="en-CA" dirty="0"/>
+          </a:p>
         </p:txBody>
       </p:sp>
       <p:sp>
